--- a/database/slides/ALL_THINGS_ARE_THINE.pptx
+++ b/database/slides/ALL_THINGS_ARE_THINE.pptx
@@ -15681,7 +15681,29 @@
                 <a:ea typeface="Calibri" panose="020F0502020204030204" pitchFamily="34" charset="0"/>
                 <a:cs typeface="Calibri" panose="020F0502020204030204" pitchFamily="34" charset="0"/>
               </a:rPr>
-              <a:t>Thou art the rule, O Lord,</a:t>
+              <a:t>Thou art </a:t>
+            </a:r>
+            <a:r>
+              <a:rPr lang="en-GB" sz="3600" b="1">
+                <a:solidFill>
+                  <a:schemeClr val="bg1"/>
+                </a:solidFill>
+                <a:latin typeface="Calibri" panose="020F0502020204030204" pitchFamily="34" charset="0"/>
+                <a:ea typeface="Calibri" panose="020F0502020204030204" pitchFamily="34" charset="0"/>
+                <a:cs typeface="Calibri" panose="020F0502020204030204" pitchFamily="34" charset="0"/>
+              </a:rPr>
+              <a:t>the ruler, </a:t>
+            </a:r>
+            <a:r>
+              <a:rPr lang="en-GB" sz="3600" b="1" dirty="0">
+                <a:solidFill>
+                  <a:schemeClr val="bg1"/>
+                </a:solidFill>
+                <a:latin typeface="Calibri" panose="020F0502020204030204" pitchFamily="34" charset="0"/>
+                <a:ea typeface="Calibri" panose="020F0502020204030204" pitchFamily="34" charset="0"/>
+                <a:cs typeface="Calibri" panose="020F0502020204030204" pitchFamily="34" charset="0"/>
+              </a:rPr>
+              <a:t>O Lord,</a:t>
             </a:r>
           </a:p>
           <a:p>
